--- a/Piper_Wave3_Personal_Project_Yamashita.pptx
+++ b/Piper_Wave3_Personal_Project_Yamashita.pptx
@@ -3735,92 +3735,6 @@
   <p:clrMapOvr>
     <a:masterClrMapping/>
   </p:clrMapOvr>
-  <p:timing>
-    <p:tnLst>
-      <p:par>
-        <p:cTn id="1" dur="indefinite" restart="never" nodeType="tmRoot">
-          <p:childTnLst>
-            <p:seq concurrent="1" nextAc="seek">
-              <p:cTn id="2" dur="indefinite" nodeType="mainSeq">
-                <p:childTnLst>
-                  <p:par>
-                    <p:cTn id="3" fill="hold">
-                      <p:stCondLst>
-                        <p:cond delay="indefinite"/>
-                      </p:stCondLst>
-                      <p:childTnLst>
-                        <p:par>
-                          <p:cTn id="4" fill="hold">
-                            <p:stCondLst>
-                              <p:cond delay="0"/>
-                            </p:stCondLst>
-                            <p:childTnLst>
-                              <p:par>
-                                <p:cTn id="5" presetID="22" presetClass="entr" presetSubtype="8" fill="hold" grpId="0" nodeType="clickEffect">
-                                  <p:stCondLst>
-                                    <p:cond delay="0"/>
-                                  </p:stCondLst>
-                                  <p:childTnLst>
-                                    <p:set>
-                                      <p:cBhvr>
-                                        <p:cTn id="6" dur="1" fill="hold">
-                                          <p:stCondLst>
-                                            <p:cond delay="0"/>
-                                          </p:stCondLst>
-                                        </p:cTn>
-                                        <p:tgtEl>
-                                          <p:spTgt spid="3"/>
-                                        </p:tgtEl>
-                                        <p:attrNameLst>
-                                          <p:attrName>style.visibility</p:attrName>
-                                        </p:attrNameLst>
-                                      </p:cBhvr>
-                                      <p:to>
-                                        <p:strVal val="visible"/>
-                                      </p:to>
-                                    </p:set>
-                                    <p:animEffect transition="in" filter="wipe(left)">
-                                      <p:cBhvr>
-                                        <p:cTn id="7" dur="500"/>
-                                        <p:tgtEl>
-                                          <p:spTgt spid="3"/>
-                                        </p:tgtEl>
-                                      </p:cBhvr>
-                                    </p:animEffect>
-                                  </p:childTnLst>
-                                </p:cTn>
-                              </p:par>
-                            </p:childTnLst>
-                          </p:cTn>
-                        </p:par>
-                      </p:childTnLst>
-                    </p:cTn>
-                  </p:par>
-                </p:childTnLst>
-              </p:cTn>
-              <p:prevCondLst>
-                <p:cond evt="onPrev" delay="0">
-                  <p:tgtEl>
-                    <p:sldTgt/>
-                  </p:tgtEl>
-                </p:cond>
-              </p:prevCondLst>
-              <p:nextCondLst>
-                <p:cond evt="onNext" delay="0">
-                  <p:tgtEl>
-                    <p:sldTgt/>
-                  </p:tgtEl>
-                </p:cond>
-              </p:nextCondLst>
-            </p:seq>
-          </p:childTnLst>
-        </p:cTn>
-      </p:par>
-    </p:tnLst>
-    <p:bldLst>
-      <p:bldP spid="3" grpId="0"/>
-    </p:bldLst>
-  </p:timing>
 </p:sld>
 </file>
 
@@ -5276,678 +5190,6 @@
   <p:clrMapOvr>
     <a:masterClrMapping/>
   </p:clrMapOvr>
-  <p:timing>
-    <p:tnLst>
-      <p:par>
-        <p:cTn id="1" dur="indefinite" restart="never" nodeType="tmRoot">
-          <p:childTnLst>
-            <p:seq concurrent="1" nextAc="seek">
-              <p:cTn id="2" dur="indefinite" nodeType="mainSeq">
-                <p:childTnLst>
-                  <p:par>
-                    <p:cTn id="3" fill="hold">
-                      <p:stCondLst>
-                        <p:cond delay="indefinite"/>
-                      </p:stCondLst>
-                      <p:childTnLst>
-                        <p:par>
-                          <p:cTn id="4" fill="hold">
-                            <p:stCondLst>
-                              <p:cond delay="0"/>
-                            </p:stCondLst>
-                            <p:childTnLst>
-                              <p:par>
-                                <p:cTn id="5" presetID="22" presetClass="entr" presetSubtype="8" fill="hold" grpId="0" nodeType="clickEffect">
-                                  <p:stCondLst>
-                                    <p:cond delay="0"/>
-                                  </p:stCondLst>
-                                  <p:childTnLst>
-                                    <p:set>
-                                      <p:cBhvr>
-                                        <p:cTn id="6" dur="1" fill="hold">
-                                          <p:stCondLst>
-                                            <p:cond delay="0"/>
-                                          </p:stCondLst>
-                                        </p:cTn>
-                                        <p:tgtEl>
-                                          <p:spTgt spid="53"/>
-                                        </p:tgtEl>
-                                        <p:attrNameLst>
-                                          <p:attrName>style.visibility</p:attrName>
-                                        </p:attrNameLst>
-                                      </p:cBhvr>
-                                      <p:to>
-                                        <p:strVal val="visible"/>
-                                      </p:to>
-                                    </p:set>
-                                    <p:animEffect transition="in" filter="wipe(left)">
-                                      <p:cBhvr>
-                                        <p:cTn id="7" dur="500"/>
-                                        <p:tgtEl>
-                                          <p:spTgt spid="53"/>
-                                        </p:tgtEl>
-                                      </p:cBhvr>
-                                    </p:animEffect>
-                                  </p:childTnLst>
-                                </p:cTn>
-                              </p:par>
-                            </p:childTnLst>
-                          </p:cTn>
-                        </p:par>
-                      </p:childTnLst>
-                    </p:cTn>
-                  </p:par>
-                  <p:par>
-                    <p:cTn id="8" fill="hold">
-                      <p:stCondLst>
-                        <p:cond delay="indefinite"/>
-                      </p:stCondLst>
-                      <p:childTnLst>
-                        <p:par>
-                          <p:cTn id="9" fill="hold">
-                            <p:stCondLst>
-                              <p:cond delay="0"/>
-                            </p:stCondLst>
-                            <p:childTnLst>
-                              <p:par>
-                                <p:cTn id="10" presetID="10" presetClass="entr" presetSubtype="0" fill="hold" grpId="0" nodeType="clickEffect">
-                                  <p:stCondLst>
-                                    <p:cond delay="0"/>
-                                  </p:stCondLst>
-                                  <p:childTnLst>
-                                    <p:set>
-                                      <p:cBhvr>
-                                        <p:cTn id="11" dur="1" fill="hold">
-                                          <p:stCondLst>
-                                            <p:cond delay="0"/>
-                                          </p:stCondLst>
-                                        </p:cTn>
-                                        <p:tgtEl>
-                                          <p:spTgt spid="57"/>
-                                        </p:tgtEl>
-                                        <p:attrNameLst>
-                                          <p:attrName>style.visibility</p:attrName>
-                                        </p:attrNameLst>
-                                      </p:cBhvr>
-                                      <p:to>
-                                        <p:strVal val="visible"/>
-                                      </p:to>
-                                    </p:set>
-                                    <p:animEffect transition="in" filter="fade">
-                                      <p:cBhvr>
-                                        <p:cTn id="12" dur="500"/>
-                                        <p:tgtEl>
-                                          <p:spTgt spid="57"/>
-                                        </p:tgtEl>
-                                      </p:cBhvr>
-                                    </p:animEffect>
-                                  </p:childTnLst>
-                                </p:cTn>
-                              </p:par>
-                            </p:childTnLst>
-                          </p:cTn>
-                        </p:par>
-                      </p:childTnLst>
-                    </p:cTn>
-                  </p:par>
-                  <p:par>
-                    <p:cTn id="13" fill="hold">
-                      <p:stCondLst>
-                        <p:cond delay="indefinite"/>
-                      </p:stCondLst>
-                      <p:childTnLst>
-                        <p:par>
-                          <p:cTn id="14" fill="hold">
-                            <p:stCondLst>
-                              <p:cond delay="0"/>
-                            </p:stCondLst>
-                            <p:childTnLst>
-                              <p:par>
-                                <p:cTn id="15" presetID="2" presetClass="entr" presetSubtype="4" fill="hold" grpId="0" nodeType="clickEffect">
-                                  <p:stCondLst>
-                                    <p:cond delay="0"/>
-                                  </p:stCondLst>
-                                  <p:childTnLst>
-                                    <p:set>
-                                      <p:cBhvr>
-                                        <p:cTn id="16" dur="1" fill="hold">
-                                          <p:stCondLst>
-                                            <p:cond delay="0"/>
-                                          </p:stCondLst>
-                                        </p:cTn>
-                                        <p:tgtEl>
-                                          <p:spTgt spid="60"/>
-                                        </p:tgtEl>
-                                        <p:attrNameLst>
-                                          <p:attrName>style.visibility</p:attrName>
-                                        </p:attrNameLst>
-                                      </p:cBhvr>
-                                      <p:to>
-                                        <p:strVal val="visible"/>
-                                      </p:to>
-                                    </p:set>
-                                    <p:anim calcmode="lin" valueType="num">
-                                      <p:cBhvr additive="base">
-                                        <p:cTn id="17" dur="500" fill="hold"/>
-                                        <p:tgtEl>
-                                          <p:spTgt spid="60"/>
-                                        </p:tgtEl>
-                                        <p:attrNameLst>
-                                          <p:attrName>ppt_x</p:attrName>
-                                        </p:attrNameLst>
-                                      </p:cBhvr>
-                                      <p:tavLst>
-                                        <p:tav tm="0">
-                                          <p:val>
-                                            <p:strVal val="#ppt_x"/>
-                                          </p:val>
-                                        </p:tav>
-                                        <p:tav tm="100000">
-                                          <p:val>
-                                            <p:strVal val="#ppt_x"/>
-                                          </p:val>
-                                        </p:tav>
-                                      </p:tavLst>
-                                    </p:anim>
-                                    <p:anim calcmode="lin" valueType="num">
-                                      <p:cBhvr additive="base">
-                                        <p:cTn id="18" dur="500" fill="hold"/>
-                                        <p:tgtEl>
-                                          <p:spTgt spid="60"/>
-                                        </p:tgtEl>
-                                        <p:attrNameLst>
-                                          <p:attrName>ppt_y</p:attrName>
-                                        </p:attrNameLst>
-                                      </p:cBhvr>
-                                      <p:tavLst>
-                                        <p:tav tm="0">
-                                          <p:val>
-                                            <p:strVal val="1+#ppt_h/2"/>
-                                          </p:val>
-                                        </p:tav>
-                                        <p:tav tm="100000">
-                                          <p:val>
-                                            <p:strVal val="#ppt_y"/>
-                                          </p:val>
-                                        </p:tav>
-                                      </p:tavLst>
-                                    </p:anim>
-                                  </p:childTnLst>
-                                </p:cTn>
-                              </p:par>
-                              <p:par>
-                                <p:cTn id="19" presetID="2" presetClass="entr" presetSubtype="4" fill="hold" grpId="0" nodeType="withEffect">
-                                  <p:stCondLst>
-                                    <p:cond delay="0"/>
-                                  </p:stCondLst>
-                                  <p:childTnLst>
-                                    <p:set>
-                                      <p:cBhvr>
-                                        <p:cTn id="20" dur="1" fill="hold">
-                                          <p:stCondLst>
-                                            <p:cond delay="0"/>
-                                          </p:stCondLst>
-                                        </p:cTn>
-                                        <p:tgtEl>
-                                          <p:spTgt spid="59"/>
-                                        </p:tgtEl>
-                                        <p:attrNameLst>
-                                          <p:attrName>style.visibility</p:attrName>
-                                        </p:attrNameLst>
-                                      </p:cBhvr>
-                                      <p:to>
-                                        <p:strVal val="visible"/>
-                                      </p:to>
-                                    </p:set>
-                                    <p:anim calcmode="lin" valueType="num">
-                                      <p:cBhvr additive="base">
-                                        <p:cTn id="21" dur="500" fill="hold"/>
-                                        <p:tgtEl>
-                                          <p:spTgt spid="59"/>
-                                        </p:tgtEl>
-                                        <p:attrNameLst>
-                                          <p:attrName>ppt_x</p:attrName>
-                                        </p:attrNameLst>
-                                      </p:cBhvr>
-                                      <p:tavLst>
-                                        <p:tav tm="0">
-                                          <p:val>
-                                            <p:strVal val="#ppt_x"/>
-                                          </p:val>
-                                        </p:tav>
-                                        <p:tav tm="100000">
-                                          <p:val>
-                                            <p:strVal val="#ppt_x"/>
-                                          </p:val>
-                                        </p:tav>
-                                      </p:tavLst>
-                                    </p:anim>
-                                    <p:anim calcmode="lin" valueType="num">
-                                      <p:cBhvr additive="base">
-                                        <p:cTn id="22" dur="500" fill="hold"/>
-                                        <p:tgtEl>
-                                          <p:spTgt spid="59"/>
-                                        </p:tgtEl>
-                                        <p:attrNameLst>
-                                          <p:attrName>ppt_y</p:attrName>
-                                        </p:attrNameLst>
-                                      </p:cBhvr>
-                                      <p:tavLst>
-                                        <p:tav tm="0">
-                                          <p:val>
-                                            <p:strVal val="1+#ppt_h/2"/>
-                                          </p:val>
-                                        </p:tav>
-                                        <p:tav tm="100000">
-                                          <p:val>
-                                            <p:strVal val="#ppt_y"/>
-                                          </p:val>
-                                        </p:tav>
-                                      </p:tavLst>
-                                    </p:anim>
-                                  </p:childTnLst>
-                                </p:cTn>
-                              </p:par>
-                            </p:childTnLst>
-                          </p:cTn>
-                        </p:par>
-                      </p:childTnLst>
-                    </p:cTn>
-                  </p:par>
-                  <p:par>
-                    <p:cTn id="23" fill="hold">
-                      <p:stCondLst>
-                        <p:cond delay="indefinite"/>
-                      </p:stCondLst>
-                      <p:childTnLst>
-                        <p:par>
-                          <p:cTn id="24" fill="hold">
-                            <p:stCondLst>
-                              <p:cond delay="0"/>
-                            </p:stCondLst>
-                            <p:childTnLst>
-                              <p:par>
-                                <p:cTn id="25" presetID="10" presetClass="entr" presetSubtype="0" fill="hold" grpId="0" nodeType="clickEffect">
-                                  <p:stCondLst>
-                                    <p:cond delay="0"/>
-                                  </p:stCondLst>
-                                  <p:childTnLst>
-                                    <p:set>
-                                      <p:cBhvr>
-                                        <p:cTn id="26" dur="1" fill="hold">
-                                          <p:stCondLst>
-                                            <p:cond delay="0"/>
-                                          </p:stCondLst>
-                                        </p:cTn>
-                                        <p:tgtEl>
-                                          <p:spTgt spid="63"/>
-                                        </p:tgtEl>
-                                        <p:attrNameLst>
-                                          <p:attrName>style.visibility</p:attrName>
-                                        </p:attrNameLst>
-                                      </p:cBhvr>
-                                      <p:to>
-                                        <p:strVal val="visible"/>
-                                      </p:to>
-                                    </p:set>
-                                    <p:animEffect transition="in" filter="fade">
-                                      <p:cBhvr>
-                                        <p:cTn id="27" dur="500"/>
-                                        <p:tgtEl>
-                                          <p:spTgt spid="63"/>
-                                        </p:tgtEl>
-                                      </p:cBhvr>
-                                    </p:animEffect>
-                                  </p:childTnLst>
-                                </p:cTn>
-                              </p:par>
-                            </p:childTnLst>
-                          </p:cTn>
-                        </p:par>
-                      </p:childTnLst>
-                    </p:cTn>
-                  </p:par>
-                  <p:par>
-                    <p:cTn id="28" fill="hold">
-                      <p:stCondLst>
-                        <p:cond delay="indefinite"/>
-                      </p:stCondLst>
-                      <p:childTnLst>
-                        <p:par>
-                          <p:cTn id="29" fill="hold">
-                            <p:stCondLst>
-                              <p:cond delay="0"/>
-                            </p:stCondLst>
-                            <p:childTnLst>
-                              <p:par>
-                                <p:cTn id="30" presetID="2" presetClass="entr" presetSubtype="4" fill="hold" grpId="0" nodeType="clickEffect">
-                                  <p:stCondLst>
-                                    <p:cond delay="0"/>
-                                  </p:stCondLst>
-                                  <p:childTnLst>
-                                    <p:set>
-                                      <p:cBhvr>
-                                        <p:cTn id="31" dur="1" fill="hold">
-                                          <p:stCondLst>
-                                            <p:cond delay="0"/>
-                                          </p:stCondLst>
-                                        </p:cTn>
-                                        <p:tgtEl>
-                                          <p:spTgt spid="61"/>
-                                        </p:tgtEl>
-                                        <p:attrNameLst>
-                                          <p:attrName>style.visibility</p:attrName>
-                                        </p:attrNameLst>
-                                      </p:cBhvr>
-                                      <p:to>
-                                        <p:strVal val="visible"/>
-                                      </p:to>
-                                    </p:set>
-                                    <p:anim calcmode="lin" valueType="num">
-                                      <p:cBhvr additive="base">
-                                        <p:cTn id="32" dur="500" fill="hold"/>
-                                        <p:tgtEl>
-                                          <p:spTgt spid="61"/>
-                                        </p:tgtEl>
-                                        <p:attrNameLst>
-                                          <p:attrName>ppt_x</p:attrName>
-                                        </p:attrNameLst>
-                                      </p:cBhvr>
-                                      <p:tavLst>
-                                        <p:tav tm="0">
-                                          <p:val>
-                                            <p:strVal val="#ppt_x"/>
-                                          </p:val>
-                                        </p:tav>
-                                        <p:tav tm="100000">
-                                          <p:val>
-                                            <p:strVal val="#ppt_x"/>
-                                          </p:val>
-                                        </p:tav>
-                                      </p:tavLst>
-                                    </p:anim>
-                                    <p:anim calcmode="lin" valueType="num">
-                                      <p:cBhvr additive="base">
-                                        <p:cTn id="33" dur="500" fill="hold"/>
-                                        <p:tgtEl>
-                                          <p:spTgt spid="61"/>
-                                        </p:tgtEl>
-                                        <p:attrNameLst>
-                                          <p:attrName>ppt_y</p:attrName>
-                                        </p:attrNameLst>
-                                      </p:cBhvr>
-                                      <p:tavLst>
-                                        <p:tav tm="0">
-                                          <p:val>
-                                            <p:strVal val="1+#ppt_h/2"/>
-                                          </p:val>
-                                        </p:tav>
-                                        <p:tav tm="100000">
-                                          <p:val>
-                                            <p:strVal val="#ppt_y"/>
-                                          </p:val>
-                                        </p:tav>
-                                      </p:tavLst>
-                                    </p:anim>
-                                  </p:childTnLst>
-                                </p:cTn>
-                              </p:par>
-                              <p:par>
-                                <p:cTn id="34" presetID="2" presetClass="entr" presetSubtype="4" fill="hold" grpId="0" nodeType="withEffect">
-                                  <p:stCondLst>
-                                    <p:cond delay="0"/>
-                                  </p:stCondLst>
-                                  <p:childTnLst>
-                                    <p:set>
-                                      <p:cBhvr>
-                                        <p:cTn id="35" dur="1" fill="hold">
-                                          <p:stCondLst>
-                                            <p:cond delay="0"/>
-                                          </p:stCondLst>
-                                        </p:cTn>
-                                        <p:tgtEl>
-                                          <p:spTgt spid="62"/>
-                                        </p:tgtEl>
-                                        <p:attrNameLst>
-                                          <p:attrName>style.visibility</p:attrName>
-                                        </p:attrNameLst>
-                                      </p:cBhvr>
-                                      <p:to>
-                                        <p:strVal val="visible"/>
-                                      </p:to>
-                                    </p:set>
-                                    <p:anim calcmode="lin" valueType="num">
-                                      <p:cBhvr additive="base">
-                                        <p:cTn id="36" dur="500" fill="hold"/>
-                                        <p:tgtEl>
-                                          <p:spTgt spid="62"/>
-                                        </p:tgtEl>
-                                        <p:attrNameLst>
-                                          <p:attrName>ppt_x</p:attrName>
-                                        </p:attrNameLst>
-                                      </p:cBhvr>
-                                      <p:tavLst>
-                                        <p:tav tm="0">
-                                          <p:val>
-                                            <p:strVal val="#ppt_x"/>
-                                          </p:val>
-                                        </p:tav>
-                                        <p:tav tm="100000">
-                                          <p:val>
-                                            <p:strVal val="#ppt_x"/>
-                                          </p:val>
-                                        </p:tav>
-                                      </p:tavLst>
-                                    </p:anim>
-                                    <p:anim calcmode="lin" valueType="num">
-                                      <p:cBhvr additive="base">
-                                        <p:cTn id="37" dur="500" fill="hold"/>
-                                        <p:tgtEl>
-                                          <p:spTgt spid="62"/>
-                                        </p:tgtEl>
-                                        <p:attrNameLst>
-                                          <p:attrName>ppt_y</p:attrName>
-                                        </p:attrNameLst>
-                                      </p:cBhvr>
-                                      <p:tavLst>
-                                        <p:tav tm="0">
-                                          <p:val>
-                                            <p:strVal val="1+#ppt_h/2"/>
-                                          </p:val>
-                                        </p:tav>
-                                        <p:tav tm="100000">
-                                          <p:val>
-                                            <p:strVal val="#ppt_y"/>
-                                          </p:val>
-                                        </p:tav>
-                                      </p:tavLst>
-                                    </p:anim>
-                                  </p:childTnLst>
-                                </p:cTn>
-                              </p:par>
-                            </p:childTnLst>
-                          </p:cTn>
-                        </p:par>
-                      </p:childTnLst>
-                    </p:cTn>
-                  </p:par>
-                  <p:par>
-                    <p:cTn id="38" fill="hold">
-                      <p:stCondLst>
-                        <p:cond delay="indefinite"/>
-                      </p:stCondLst>
-                      <p:childTnLst>
-                        <p:par>
-                          <p:cTn id="39" fill="hold">
-                            <p:stCondLst>
-                              <p:cond delay="0"/>
-                            </p:stCondLst>
-                            <p:childTnLst>
-                              <p:par>
-                                <p:cTn id="40" presetID="10" presetClass="entr" presetSubtype="0" fill="hold" grpId="0" nodeType="clickEffect">
-                                  <p:stCondLst>
-                                    <p:cond delay="0"/>
-                                  </p:stCondLst>
-                                  <p:childTnLst>
-                                    <p:set>
-                                      <p:cBhvr>
-                                        <p:cTn id="41" dur="1" fill="hold">
-                                          <p:stCondLst>
-                                            <p:cond delay="0"/>
-                                          </p:stCondLst>
-                                        </p:cTn>
-                                        <p:tgtEl>
-                                          <p:spTgt spid="65"/>
-                                        </p:tgtEl>
-                                        <p:attrNameLst>
-                                          <p:attrName>style.visibility</p:attrName>
-                                        </p:attrNameLst>
-                                      </p:cBhvr>
-                                      <p:to>
-                                        <p:strVal val="visible"/>
-                                      </p:to>
-                                    </p:set>
-                                    <p:animEffect transition="in" filter="fade">
-                                      <p:cBhvr>
-                                        <p:cTn id="42" dur="500"/>
-                                        <p:tgtEl>
-                                          <p:spTgt spid="65"/>
-                                        </p:tgtEl>
-                                      </p:cBhvr>
-                                    </p:animEffect>
-                                  </p:childTnLst>
-                                </p:cTn>
-                              </p:par>
-                            </p:childTnLst>
-                          </p:cTn>
-                        </p:par>
-                      </p:childTnLst>
-                    </p:cTn>
-                  </p:par>
-                  <p:par>
-                    <p:cTn id="43" fill="hold">
-                      <p:stCondLst>
-                        <p:cond delay="indefinite"/>
-                      </p:stCondLst>
-                      <p:childTnLst>
-                        <p:par>
-                          <p:cTn id="44" fill="hold">
-                            <p:stCondLst>
-                              <p:cond delay="0"/>
-                            </p:stCondLst>
-                            <p:childTnLst>
-                              <p:par>
-                                <p:cTn id="45" presetID="2" presetClass="entr" presetSubtype="4" fill="hold" grpId="0" nodeType="clickEffect">
-                                  <p:stCondLst>
-                                    <p:cond delay="0"/>
-                                  </p:stCondLst>
-                                  <p:childTnLst>
-                                    <p:set>
-                                      <p:cBhvr>
-                                        <p:cTn id="46" dur="1" fill="hold">
-                                          <p:stCondLst>
-                                            <p:cond delay="0"/>
-                                          </p:stCondLst>
-                                        </p:cTn>
-                                        <p:tgtEl>
-                                          <p:spTgt spid="66"/>
-                                        </p:tgtEl>
-                                        <p:attrNameLst>
-                                          <p:attrName>style.visibility</p:attrName>
-                                        </p:attrNameLst>
-                                      </p:cBhvr>
-                                      <p:to>
-                                        <p:strVal val="visible"/>
-                                      </p:to>
-                                    </p:set>
-                                    <p:anim calcmode="lin" valueType="num">
-                                      <p:cBhvr additive="base">
-                                        <p:cTn id="47" dur="500" fill="hold"/>
-                                        <p:tgtEl>
-                                          <p:spTgt spid="66"/>
-                                        </p:tgtEl>
-                                        <p:attrNameLst>
-                                          <p:attrName>ppt_x</p:attrName>
-                                        </p:attrNameLst>
-                                      </p:cBhvr>
-                                      <p:tavLst>
-                                        <p:tav tm="0">
-                                          <p:val>
-                                            <p:strVal val="#ppt_x"/>
-                                          </p:val>
-                                        </p:tav>
-                                        <p:tav tm="100000">
-                                          <p:val>
-                                            <p:strVal val="#ppt_x"/>
-                                          </p:val>
-                                        </p:tav>
-                                      </p:tavLst>
-                                    </p:anim>
-                                    <p:anim calcmode="lin" valueType="num">
-                                      <p:cBhvr additive="base">
-                                        <p:cTn id="48" dur="500" fill="hold"/>
-                                        <p:tgtEl>
-                                          <p:spTgt spid="66"/>
-                                        </p:tgtEl>
-                                        <p:attrNameLst>
-                                          <p:attrName>ppt_y</p:attrName>
-                                        </p:attrNameLst>
-                                      </p:cBhvr>
-                                      <p:tavLst>
-                                        <p:tav tm="0">
-                                          <p:val>
-                                            <p:strVal val="1+#ppt_h/2"/>
-                                          </p:val>
-                                        </p:tav>
-                                        <p:tav tm="100000">
-                                          <p:val>
-                                            <p:strVal val="#ppt_y"/>
-                                          </p:val>
-                                        </p:tav>
-                                      </p:tavLst>
-                                    </p:anim>
-                                  </p:childTnLst>
-                                </p:cTn>
-                              </p:par>
-                            </p:childTnLst>
-                          </p:cTn>
-                        </p:par>
-                      </p:childTnLst>
-                    </p:cTn>
-                  </p:par>
-                </p:childTnLst>
-              </p:cTn>
-              <p:prevCondLst>
-                <p:cond evt="onPrev" delay="0">
-                  <p:tgtEl>
-                    <p:sldTgt/>
-                  </p:tgtEl>
-                </p:cond>
-              </p:prevCondLst>
-              <p:nextCondLst>
-                <p:cond evt="onNext" delay="0">
-                  <p:tgtEl>
-                    <p:sldTgt/>
-                  </p:tgtEl>
-                </p:cond>
-              </p:nextCondLst>
-            </p:seq>
-          </p:childTnLst>
-        </p:cTn>
-      </p:par>
-    </p:tnLst>
-    <p:bldLst>
-      <p:bldP spid="53" grpId="0"/>
-      <p:bldP spid="57" grpId="0" animBg="1"/>
-      <p:bldP spid="59" grpId="0" animBg="1"/>
-      <p:bldP spid="60" grpId="0"/>
-      <p:bldP spid="61" grpId="0" animBg="1"/>
-      <p:bldP spid="62" grpId="0"/>
-      <p:bldP spid="63" grpId="0" animBg="1"/>
-      <p:bldP spid="65" grpId="0" animBg="1"/>
-      <p:bldP spid="66" grpId="0" animBg="1"/>
-    </p:bldLst>
-  </p:timing>
 </p:sld>
 </file>
 
@@ -6990,252 +6232,6 @@
   <p:clrMapOvr>
     <a:masterClrMapping/>
   </p:clrMapOvr>
-  <p:timing>
-    <p:tnLst>
-      <p:par>
-        <p:cTn id="1" dur="indefinite" restart="never" nodeType="tmRoot">
-          <p:childTnLst>
-            <p:seq concurrent="1" nextAc="seek">
-              <p:cTn id="2" dur="indefinite" nodeType="mainSeq">
-                <p:childTnLst>
-                  <p:par>
-                    <p:cTn id="3" fill="hold">
-                      <p:stCondLst>
-                        <p:cond delay="indefinite"/>
-                      </p:stCondLst>
-                      <p:childTnLst>
-                        <p:par>
-                          <p:cTn id="4" fill="hold">
-                            <p:stCondLst>
-                              <p:cond delay="0"/>
-                            </p:stCondLst>
-                            <p:childTnLst>
-                              <p:par>
-                                <p:cTn id="5" presetID="16" presetClass="entr" presetSubtype="21" fill="hold" nodeType="clickEffect">
-                                  <p:stCondLst>
-                                    <p:cond delay="0"/>
-                                  </p:stCondLst>
-                                  <p:childTnLst>
-                                    <p:set>
-                                      <p:cBhvr>
-                                        <p:cTn id="6" dur="1" fill="hold">
-                                          <p:stCondLst>
-                                            <p:cond delay="0"/>
-                                          </p:stCondLst>
-                                        </p:cTn>
-                                        <p:tgtEl>
-                                          <p:spTgt spid="21"/>
-                                        </p:tgtEl>
-                                        <p:attrNameLst>
-                                          <p:attrName>style.visibility</p:attrName>
-                                        </p:attrNameLst>
-                                      </p:cBhvr>
-                                      <p:to>
-                                        <p:strVal val="visible"/>
-                                      </p:to>
-                                    </p:set>
-                                    <p:animEffect transition="in" filter="barn(inVertical)">
-                                      <p:cBhvr>
-                                        <p:cTn id="7" dur="500"/>
-                                        <p:tgtEl>
-                                          <p:spTgt spid="21"/>
-                                        </p:tgtEl>
-                                      </p:cBhvr>
-                                    </p:animEffect>
-                                  </p:childTnLst>
-                                </p:cTn>
-                              </p:par>
-                              <p:par>
-                                <p:cTn id="8" presetID="16" presetClass="entr" presetSubtype="21" fill="hold" nodeType="withEffect">
-                                  <p:stCondLst>
-                                    <p:cond delay="0"/>
-                                  </p:stCondLst>
-                                  <p:childTnLst>
-                                    <p:set>
-                                      <p:cBhvr>
-                                        <p:cTn id="9" dur="1" fill="hold">
-                                          <p:stCondLst>
-                                            <p:cond delay="0"/>
-                                          </p:stCondLst>
-                                        </p:cTn>
-                                        <p:tgtEl>
-                                          <p:spTgt spid="25"/>
-                                        </p:tgtEl>
-                                        <p:attrNameLst>
-                                          <p:attrName>style.visibility</p:attrName>
-                                        </p:attrNameLst>
-                                      </p:cBhvr>
-                                      <p:to>
-                                        <p:strVal val="visible"/>
-                                      </p:to>
-                                    </p:set>
-                                    <p:animEffect transition="in" filter="barn(inVertical)">
-                                      <p:cBhvr>
-                                        <p:cTn id="10" dur="500"/>
-                                        <p:tgtEl>
-                                          <p:spTgt spid="25"/>
-                                        </p:tgtEl>
-                                      </p:cBhvr>
-                                    </p:animEffect>
-                                  </p:childTnLst>
-                                </p:cTn>
-                              </p:par>
-                              <p:par>
-                                <p:cTn id="11" presetID="22" presetClass="entr" presetSubtype="4" fill="hold" grpId="0" nodeType="withEffect">
-                                  <p:stCondLst>
-                                    <p:cond delay="0"/>
-                                  </p:stCondLst>
-                                  <p:childTnLst>
-                                    <p:set>
-                                      <p:cBhvr>
-                                        <p:cTn id="12" dur="1" fill="hold">
-                                          <p:stCondLst>
-                                            <p:cond delay="0"/>
-                                          </p:stCondLst>
-                                        </p:cTn>
-                                        <p:tgtEl>
-                                          <p:spTgt spid="52"/>
-                                        </p:tgtEl>
-                                        <p:attrNameLst>
-                                          <p:attrName>style.visibility</p:attrName>
-                                        </p:attrNameLst>
-                                      </p:cBhvr>
-                                      <p:to>
-                                        <p:strVal val="visible"/>
-                                      </p:to>
-                                    </p:set>
-                                    <p:animEffect transition="in" filter="wipe(down)">
-                                      <p:cBhvr>
-                                        <p:cTn id="13" dur="500"/>
-                                        <p:tgtEl>
-                                          <p:spTgt spid="52"/>
-                                        </p:tgtEl>
-                                      </p:cBhvr>
-                                    </p:animEffect>
-                                  </p:childTnLst>
-                                </p:cTn>
-                              </p:par>
-                              <p:par>
-                                <p:cTn id="14" presetID="22" presetClass="entr" presetSubtype="4" fill="hold" grpId="0" nodeType="withEffect">
-                                  <p:stCondLst>
-                                    <p:cond delay="0"/>
-                                  </p:stCondLst>
-                                  <p:childTnLst>
-                                    <p:set>
-                                      <p:cBhvr>
-                                        <p:cTn id="15" dur="1" fill="hold">
-                                          <p:stCondLst>
-                                            <p:cond delay="0"/>
-                                          </p:stCondLst>
-                                        </p:cTn>
-                                        <p:tgtEl>
-                                          <p:spTgt spid="31"/>
-                                        </p:tgtEl>
-                                        <p:attrNameLst>
-                                          <p:attrName>style.visibility</p:attrName>
-                                        </p:attrNameLst>
-                                      </p:cBhvr>
-                                      <p:to>
-                                        <p:strVal val="visible"/>
-                                      </p:to>
-                                    </p:set>
-                                    <p:animEffect transition="in" filter="wipe(down)">
-                                      <p:cBhvr>
-                                        <p:cTn id="16" dur="500"/>
-                                        <p:tgtEl>
-                                          <p:spTgt spid="31"/>
-                                        </p:tgtEl>
-                                      </p:cBhvr>
-                                    </p:animEffect>
-                                  </p:childTnLst>
-                                </p:cTn>
-                              </p:par>
-                            </p:childTnLst>
-                          </p:cTn>
-                        </p:par>
-                      </p:childTnLst>
-                    </p:cTn>
-                  </p:par>
-                  <p:par>
-                    <p:cTn id="17" fill="hold">
-                      <p:stCondLst>
-                        <p:cond delay="indefinite"/>
-                      </p:stCondLst>
-                      <p:childTnLst>
-                        <p:par>
-                          <p:cTn id="18" fill="hold">
-                            <p:stCondLst>
-                              <p:cond delay="0"/>
-                            </p:stCondLst>
-                            <p:childTnLst>
-                              <p:par>
-                                <p:cTn id="19" presetID="22" presetClass="entr" presetSubtype="8" fill="hold" grpId="0" nodeType="clickEffect">
-                                  <p:stCondLst>
-                                    <p:cond delay="0"/>
-                                  </p:stCondLst>
-                                  <p:childTnLst>
-                                    <p:set>
-                                      <p:cBhvr>
-                                        <p:cTn id="20" dur="1" fill="hold">
-                                          <p:stCondLst>
-                                            <p:cond delay="0"/>
-                                          </p:stCondLst>
-                                        </p:cTn>
-                                        <p:tgtEl>
-                                          <p:spTgt spid="41"/>
-                                        </p:tgtEl>
-                                        <p:attrNameLst>
-                                          <p:attrName>style.visibility</p:attrName>
-                                        </p:attrNameLst>
-                                      </p:cBhvr>
-                                      <p:to>
-                                        <p:strVal val="visible"/>
-                                      </p:to>
-                                    </p:set>
-                                    <p:animEffect transition="in" filter="wipe(left)">
-                                      <p:cBhvr>
-                                        <p:cTn id="21" dur="500"/>
-                                        <p:tgtEl>
-                                          <p:spTgt spid="41"/>
-                                        </p:tgtEl>
-                                      </p:cBhvr>
-                                    </p:animEffect>
-                                  </p:childTnLst>
-                                </p:cTn>
-                              </p:par>
-                            </p:childTnLst>
-                          </p:cTn>
-                        </p:par>
-                      </p:childTnLst>
-                    </p:cTn>
-                  </p:par>
-                </p:childTnLst>
-              </p:cTn>
-              <p:prevCondLst>
-                <p:cond evt="onPrev" delay="0">
-                  <p:tgtEl>
-                    <p:sldTgt/>
-                  </p:tgtEl>
-                </p:cond>
-              </p:prevCondLst>
-              <p:nextCondLst>
-                <p:cond evt="onNext" delay="0">
-                  <p:tgtEl>
-                    <p:sldTgt/>
-                  </p:tgtEl>
-                </p:cond>
-              </p:nextCondLst>
-            </p:seq>
-          </p:childTnLst>
-        </p:cTn>
-      </p:par>
-    </p:tnLst>
-    <p:bldLst>
-      <p:bldP spid="52" grpId="0"/>
-      <p:bldP spid="31" grpId="0"/>
-      <p:bldP spid="41" grpId="0"/>
-    </p:bldLst>
-  </p:timing>
 </p:sld>
 </file>
 
@@ -8367,252 +7363,6 @@
   <p:clrMapOvr>
     <a:masterClrMapping/>
   </p:clrMapOvr>
-  <p:timing>
-    <p:tnLst>
-      <p:par>
-        <p:cTn id="1" dur="indefinite" restart="never" nodeType="tmRoot">
-          <p:childTnLst>
-            <p:seq concurrent="1" nextAc="seek">
-              <p:cTn id="2" dur="indefinite" nodeType="mainSeq">
-                <p:childTnLst>
-                  <p:par>
-                    <p:cTn id="3" fill="hold">
-                      <p:stCondLst>
-                        <p:cond delay="indefinite"/>
-                      </p:stCondLst>
-                      <p:childTnLst>
-                        <p:par>
-                          <p:cTn id="4" fill="hold">
-                            <p:stCondLst>
-                              <p:cond delay="0"/>
-                            </p:stCondLst>
-                            <p:childTnLst>
-                              <p:par>
-                                <p:cTn id="5" presetID="16" presetClass="entr" presetSubtype="21" fill="hold" nodeType="clickEffect">
-                                  <p:stCondLst>
-                                    <p:cond delay="0"/>
-                                  </p:stCondLst>
-                                  <p:childTnLst>
-                                    <p:set>
-                                      <p:cBhvr>
-                                        <p:cTn id="6" dur="1" fill="hold">
-                                          <p:stCondLst>
-                                            <p:cond delay="0"/>
-                                          </p:stCondLst>
-                                        </p:cTn>
-                                        <p:tgtEl>
-                                          <p:spTgt spid="21"/>
-                                        </p:tgtEl>
-                                        <p:attrNameLst>
-                                          <p:attrName>style.visibility</p:attrName>
-                                        </p:attrNameLst>
-                                      </p:cBhvr>
-                                      <p:to>
-                                        <p:strVal val="visible"/>
-                                      </p:to>
-                                    </p:set>
-                                    <p:animEffect transition="in" filter="barn(inVertical)">
-                                      <p:cBhvr>
-                                        <p:cTn id="7" dur="500"/>
-                                        <p:tgtEl>
-                                          <p:spTgt spid="21"/>
-                                        </p:tgtEl>
-                                      </p:cBhvr>
-                                    </p:animEffect>
-                                  </p:childTnLst>
-                                </p:cTn>
-                              </p:par>
-                              <p:par>
-                                <p:cTn id="8" presetID="16" presetClass="entr" presetSubtype="21" fill="hold" nodeType="withEffect">
-                                  <p:stCondLst>
-                                    <p:cond delay="0"/>
-                                  </p:stCondLst>
-                                  <p:childTnLst>
-                                    <p:set>
-                                      <p:cBhvr>
-                                        <p:cTn id="9" dur="1" fill="hold">
-                                          <p:stCondLst>
-                                            <p:cond delay="0"/>
-                                          </p:stCondLst>
-                                        </p:cTn>
-                                        <p:tgtEl>
-                                          <p:spTgt spid="25"/>
-                                        </p:tgtEl>
-                                        <p:attrNameLst>
-                                          <p:attrName>style.visibility</p:attrName>
-                                        </p:attrNameLst>
-                                      </p:cBhvr>
-                                      <p:to>
-                                        <p:strVal val="visible"/>
-                                      </p:to>
-                                    </p:set>
-                                    <p:animEffect transition="in" filter="barn(inVertical)">
-                                      <p:cBhvr>
-                                        <p:cTn id="10" dur="500"/>
-                                        <p:tgtEl>
-                                          <p:spTgt spid="25"/>
-                                        </p:tgtEl>
-                                      </p:cBhvr>
-                                    </p:animEffect>
-                                  </p:childTnLst>
-                                </p:cTn>
-                              </p:par>
-                              <p:par>
-                                <p:cTn id="11" presetID="22" presetClass="entr" presetSubtype="4" fill="hold" grpId="0" nodeType="withEffect">
-                                  <p:stCondLst>
-                                    <p:cond delay="0"/>
-                                  </p:stCondLst>
-                                  <p:childTnLst>
-                                    <p:set>
-                                      <p:cBhvr>
-                                        <p:cTn id="12" dur="1" fill="hold">
-                                          <p:stCondLst>
-                                            <p:cond delay="0"/>
-                                          </p:stCondLst>
-                                        </p:cTn>
-                                        <p:tgtEl>
-                                          <p:spTgt spid="52"/>
-                                        </p:tgtEl>
-                                        <p:attrNameLst>
-                                          <p:attrName>style.visibility</p:attrName>
-                                        </p:attrNameLst>
-                                      </p:cBhvr>
-                                      <p:to>
-                                        <p:strVal val="visible"/>
-                                      </p:to>
-                                    </p:set>
-                                    <p:animEffect transition="in" filter="wipe(down)">
-                                      <p:cBhvr>
-                                        <p:cTn id="13" dur="500"/>
-                                        <p:tgtEl>
-                                          <p:spTgt spid="52"/>
-                                        </p:tgtEl>
-                                      </p:cBhvr>
-                                    </p:animEffect>
-                                  </p:childTnLst>
-                                </p:cTn>
-                              </p:par>
-                              <p:par>
-                                <p:cTn id="14" presetID="22" presetClass="entr" presetSubtype="4" fill="hold" grpId="0" nodeType="withEffect">
-                                  <p:stCondLst>
-                                    <p:cond delay="0"/>
-                                  </p:stCondLst>
-                                  <p:childTnLst>
-                                    <p:set>
-                                      <p:cBhvr>
-                                        <p:cTn id="15" dur="1" fill="hold">
-                                          <p:stCondLst>
-                                            <p:cond delay="0"/>
-                                          </p:stCondLst>
-                                        </p:cTn>
-                                        <p:tgtEl>
-                                          <p:spTgt spid="31"/>
-                                        </p:tgtEl>
-                                        <p:attrNameLst>
-                                          <p:attrName>style.visibility</p:attrName>
-                                        </p:attrNameLst>
-                                      </p:cBhvr>
-                                      <p:to>
-                                        <p:strVal val="visible"/>
-                                      </p:to>
-                                    </p:set>
-                                    <p:animEffect transition="in" filter="wipe(down)">
-                                      <p:cBhvr>
-                                        <p:cTn id="16" dur="500"/>
-                                        <p:tgtEl>
-                                          <p:spTgt spid="31"/>
-                                        </p:tgtEl>
-                                      </p:cBhvr>
-                                    </p:animEffect>
-                                  </p:childTnLst>
-                                </p:cTn>
-                              </p:par>
-                            </p:childTnLst>
-                          </p:cTn>
-                        </p:par>
-                      </p:childTnLst>
-                    </p:cTn>
-                  </p:par>
-                  <p:par>
-                    <p:cTn id="17" fill="hold">
-                      <p:stCondLst>
-                        <p:cond delay="indefinite"/>
-                      </p:stCondLst>
-                      <p:childTnLst>
-                        <p:par>
-                          <p:cTn id="18" fill="hold">
-                            <p:stCondLst>
-                              <p:cond delay="0"/>
-                            </p:stCondLst>
-                            <p:childTnLst>
-                              <p:par>
-                                <p:cTn id="19" presetID="22" presetClass="entr" presetSubtype="8" fill="hold" grpId="0" nodeType="clickEffect">
-                                  <p:stCondLst>
-                                    <p:cond delay="0"/>
-                                  </p:stCondLst>
-                                  <p:childTnLst>
-                                    <p:set>
-                                      <p:cBhvr>
-                                        <p:cTn id="20" dur="1" fill="hold">
-                                          <p:stCondLst>
-                                            <p:cond delay="0"/>
-                                          </p:stCondLst>
-                                        </p:cTn>
-                                        <p:tgtEl>
-                                          <p:spTgt spid="24"/>
-                                        </p:tgtEl>
-                                        <p:attrNameLst>
-                                          <p:attrName>style.visibility</p:attrName>
-                                        </p:attrNameLst>
-                                      </p:cBhvr>
-                                      <p:to>
-                                        <p:strVal val="visible"/>
-                                      </p:to>
-                                    </p:set>
-                                    <p:animEffect transition="in" filter="wipe(left)">
-                                      <p:cBhvr>
-                                        <p:cTn id="21" dur="500"/>
-                                        <p:tgtEl>
-                                          <p:spTgt spid="24"/>
-                                        </p:tgtEl>
-                                      </p:cBhvr>
-                                    </p:animEffect>
-                                  </p:childTnLst>
-                                </p:cTn>
-                              </p:par>
-                            </p:childTnLst>
-                          </p:cTn>
-                        </p:par>
-                      </p:childTnLst>
-                    </p:cTn>
-                  </p:par>
-                </p:childTnLst>
-              </p:cTn>
-              <p:prevCondLst>
-                <p:cond evt="onPrev" delay="0">
-                  <p:tgtEl>
-                    <p:sldTgt/>
-                  </p:tgtEl>
-                </p:cond>
-              </p:prevCondLst>
-              <p:nextCondLst>
-                <p:cond evt="onNext" delay="0">
-                  <p:tgtEl>
-                    <p:sldTgt/>
-                  </p:tgtEl>
-                </p:cond>
-              </p:nextCondLst>
-            </p:seq>
-          </p:childTnLst>
-        </p:cTn>
-      </p:par>
-    </p:tnLst>
-    <p:bldLst>
-      <p:bldP spid="52" grpId="0"/>
-      <p:bldP spid="31" grpId="0"/>
-      <p:bldP spid="24" grpId="0"/>
-    </p:bldLst>
-  </p:timing>
 </p:sld>
 </file>
 
@@ -9524,216 +8274,6 @@
   <p:clrMapOvr>
     <a:masterClrMapping/>
   </p:clrMapOvr>
-  <p:timing>
-    <p:tnLst>
-      <p:par>
-        <p:cTn id="1" dur="indefinite" restart="never" nodeType="tmRoot">
-          <p:childTnLst>
-            <p:seq concurrent="1" nextAc="seek">
-              <p:cTn id="2" dur="indefinite" nodeType="mainSeq">
-                <p:childTnLst>
-                  <p:par>
-                    <p:cTn id="3" fill="hold">
-                      <p:stCondLst>
-                        <p:cond delay="indefinite"/>
-                      </p:stCondLst>
-                      <p:childTnLst>
-                        <p:par>
-                          <p:cTn id="4" fill="hold">
-                            <p:stCondLst>
-                              <p:cond delay="0"/>
-                            </p:stCondLst>
-                            <p:childTnLst>
-                              <p:par>
-                                <p:cTn id="5" presetID="16" presetClass="entr" presetSubtype="21" fill="hold" nodeType="clickEffect">
-                                  <p:stCondLst>
-                                    <p:cond delay="0"/>
-                                  </p:stCondLst>
-                                  <p:childTnLst>
-                                    <p:set>
-                                      <p:cBhvr>
-                                        <p:cTn id="6" dur="1" fill="hold">
-                                          <p:stCondLst>
-                                            <p:cond delay="0"/>
-                                          </p:stCondLst>
-                                        </p:cTn>
-                                        <p:tgtEl>
-                                          <p:spTgt spid="5"/>
-                                        </p:tgtEl>
-                                        <p:attrNameLst>
-                                          <p:attrName>style.visibility</p:attrName>
-                                        </p:attrNameLst>
-                                      </p:cBhvr>
-                                      <p:to>
-                                        <p:strVal val="visible"/>
-                                      </p:to>
-                                    </p:set>
-                                    <p:animEffect transition="in" filter="barn(inVertical)">
-                                      <p:cBhvr>
-                                        <p:cTn id="7" dur="500"/>
-                                        <p:tgtEl>
-                                          <p:spTgt spid="5"/>
-                                        </p:tgtEl>
-                                      </p:cBhvr>
-                                    </p:animEffect>
-                                  </p:childTnLst>
-                                </p:cTn>
-                              </p:par>
-                              <p:par>
-                                <p:cTn id="8" presetID="16" presetClass="entr" presetSubtype="21" fill="hold" nodeType="withEffect">
-                                  <p:stCondLst>
-                                    <p:cond delay="0"/>
-                                  </p:stCondLst>
-                                  <p:childTnLst>
-                                    <p:set>
-                                      <p:cBhvr>
-                                        <p:cTn id="9" dur="1" fill="hold">
-                                          <p:stCondLst>
-                                            <p:cond delay="0"/>
-                                          </p:stCondLst>
-                                        </p:cTn>
-                                        <p:tgtEl>
-                                          <p:spTgt spid="9"/>
-                                        </p:tgtEl>
-                                        <p:attrNameLst>
-                                          <p:attrName>style.visibility</p:attrName>
-                                        </p:attrNameLst>
-                                      </p:cBhvr>
-                                      <p:to>
-                                        <p:strVal val="visible"/>
-                                      </p:to>
-                                    </p:set>
-                                    <p:animEffect transition="in" filter="barn(inVertical)">
-                                      <p:cBhvr>
-                                        <p:cTn id="10" dur="500"/>
-                                        <p:tgtEl>
-                                          <p:spTgt spid="9"/>
-                                        </p:tgtEl>
-                                      </p:cBhvr>
-                                    </p:animEffect>
-                                  </p:childTnLst>
-                                </p:cTn>
-                              </p:par>
-                              <p:par>
-                                <p:cTn id="11" presetID="22" presetClass="entr" presetSubtype="4" fill="hold" grpId="0" nodeType="withEffect">
-                                  <p:stCondLst>
-                                    <p:cond delay="0"/>
-                                  </p:stCondLst>
-                                  <p:childTnLst>
-                                    <p:set>
-                                      <p:cBhvr>
-                                        <p:cTn id="12" dur="1" fill="hold">
-                                          <p:stCondLst>
-                                            <p:cond delay="0"/>
-                                          </p:stCondLst>
-                                        </p:cTn>
-                                        <p:tgtEl>
-                                          <p:spTgt spid="6"/>
-                                        </p:tgtEl>
-                                        <p:attrNameLst>
-                                          <p:attrName>style.visibility</p:attrName>
-                                        </p:attrNameLst>
-                                      </p:cBhvr>
-                                      <p:to>
-                                        <p:strVal val="visible"/>
-                                      </p:to>
-                                    </p:set>
-                                    <p:animEffect transition="in" filter="wipe(down)">
-                                      <p:cBhvr>
-                                        <p:cTn id="13" dur="500"/>
-                                        <p:tgtEl>
-                                          <p:spTgt spid="6"/>
-                                        </p:tgtEl>
-                                      </p:cBhvr>
-                                    </p:animEffect>
-                                  </p:childTnLst>
-                                </p:cTn>
-                              </p:par>
-                            </p:childTnLst>
-                          </p:cTn>
-                        </p:par>
-                      </p:childTnLst>
-                    </p:cTn>
-                  </p:par>
-                  <p:par>
-                    <p:cTn id="14" fill="hold">
-                      <p:stCondLst>
-                        <p:cond delay="indefinite"/>
-                      </p:stCondLst>
-                      <p:childTnLst>
-                        <p:par>
-                          <p:cTn id="15" fill="hold">
-                            <p:stCondLst>
-                              <p:cond delay="0"/>
-                            </p:stCondLst>
-                            <p:childTnLst>
-                              <p:par>
-                                <p:cTn id="16" presetID="22" presetClass="entr" presetSubtype="8" fill="hold" grpId="0" nodeType="clickEffect">
-                                  <p:stCondLst>
-                                    <p:cond delay="0"/>
-                                  </p:stCondLst>
-                                  <p:childTnLst>
-                                    <p:set>
-                                      <p:cBhvr>
-                                        <p:cTn id="17" dur="1" fill="hold">
-                                          <p:stCondLst>
-                                            <p:cond delay="0"/>
-                                          </p:stCondLst>
-                                        </p:cTn>
-                                        <p:tgtEl>
-                                          <p:spTgt spid="21"/>
-                                        </p:tgtEl>
-                                        <p:attrNameLst>
-                                          <p:attrName>style.visibility</p:attrName>
-                                        </p:attrNameLst>
-                                      </p:cBhvr>
-                                      <p:to>
-                                        <p:strVal val="visible"/>
-                                      </p:to>
-                                    </p:set>
-                                    <p:animEffect transition="in" filter="wipe(left)">
-                                      <p:cBhvr>
-                                        <p:cTn id="18" dur="500"/>
-                                        <p:tgtEl>
-                                          <p:spTgt spid="21"/>
-                                        </p:tgtEl>
-                                      </p:cBhvr>
-                                    </p:animEffect>
-                                  </p:childTnLst>
-                                </p:cTn>
-                              </p:par>
-                            </p:childTnLst>
-                          </p:cTn>
-                        </p:par>
-                      </p:childTnLst>
-                    </p:cTn>
-                  </p:par>
-                </p:childTnLst>
-              </p:cTn>
-              <p:prevCondLst>
-                <p:cond evt="onPrev" delay="0">
-                  <p:tgtEl>
-                    <p:sldTgt/>
-                  </p:tgtEl>
-                </p:cond>
-              </p:prevCondLst>
-              <p:nextCondLst>
-                <p:cond evt="onNext" delay="0">
-                  <p:tgtEl>
-                    <p:sldTgt/>
-                  </p:tgtEl>
-                </p:cond>
-              </p:nextCondLst>
-            </p:seq>
-          </p:childTnLst>
-        </p:cTn>
-      </p:par>
-    </p:tnLst>
-    <p:bldLst>
-      <p:bldP spid="6" grpId="0"/>
-      <p:bldP spid="21" grpId="0"/>
-    </p:bldLst>
-  </p:timing>
 </p:sld>
 </file>
 
@@ -10109,92 +8649,6 @@
   <p:clrMapOvr>
     <a:masterClrMapping/>
   </p:clrMapOvr>
-  <p:timing>
-    <p:tnLst>
-      <p:par>
-        <p:cTn id="1" dur="indefinite" restart="never" nodeType="tmRoot">
-          <p:childTnLst>
-            <p:seq concurrent="1" nextAc="seek">
-              <p:cTn id="2" dur="indefinite" nodeType="mainSeq">
-                <p:childTnLst>
-                  <p:par>
-                    <p:cTn id="3" fill="hold">
-                      <p:stCondLst>
-                        <p:cond delay="indefinite"/>
-                      </p:stCondLst>
-                      <p:childTnLst>
-                        <p:par>
-                          <p:cTn id="4" fill="hold">
-                            <p:stCondLst>
-                              <p:cond delay="0"/>
-                            </p:stCondLst>
-                            <p:childTnLst>
-                              <p:par>
-                                <p:cTn id="5" presetID="22" presetClass="entr" presetSubtype="8" fill="hold" grpId="0" nodeType="clickEffect">
-                                  <p:stCondLst>
-                                    <p:cond delay="0"/>
-                                  </p:stCondLst>
-                                  <p:childTnLst>
-                                    <p:set>
-                                      <p:cBhvr>
-                                        <p:cTn id="6" dur="1" fill="hold">
-                                          <p:stCondLst>
-                                            <p:cond delay="0"/>
-                                          </p:stCondLst>
-                                        </p:cTn>
-                                        <p:tgtEl>
-                                          <p:spTgt spid="4"/>
-                                        </p:tgtEl>
-                                        <p:attrNameLst>
-                                          <p:attrName>style.visibility</p:attrName>
-                                        </p:attrNameLst>
-                                      </p:cBhvr>
-                                      <p:to>
-                                        <p:strVal val="visible"/>
-                                      </p:to>
-                                    </p:set>
-                                    <p:animEffect transition="in" filter="wipe(left)">
-                                      <p:cBhvr>
-                                        <p:cTn id="7" dur="500"/>
-                                        <p:tgtEl>
-                                          <p:spTgt spid="4"/>
-                                        </p:tgtEl>
-                                      </p:cBhvr>
-                                    </p:animEffect>
-                                  </p:childTnLst>
-                                </p:cTn>
-                              </p:par>
-                            </p:childTnLst>
-                          </p:cTn>
-                        </p:par>
-                      </p:childTnLst>
-                    </p:cTn>
-                  </p:par>
-                </p:childTnLst>
-              </p:cTn>
-              <p:prevCondLst>
-                <p:cond evt="onPrev" delay="0">
-                  <p:tgtEl>
-                    <p:sldTgt/>
-                  </p:tgtEl>
-                </p:cond>
-              </p:prevCondLst>
-              <p:nextCondLst>
-                <p:cond evt="onNext" delay="0">
-                  <p:tgtEl>
-                    <p:sldTgt/>
-                  </p:tgtEl>
-                </p:cond>
-              </p:nextCondLst>
-            </p:seq>
-          </p:childTnLst>
-        </p:cTn>
-      </p:par>
-    </p:tnLst>
-    <p:bldLst>
-      <p:bldP spid="4" grpId="0"/>
-    </p:bldLst>
-  </p:timing>
 </p:sld>
 </file>
 
